--- a/ppt/presentation.pptx
+++ b/ppt/presentation.pptx
@@ -4934,13 +4934,13 @@
   <p:clrMapOvr>
     <a:masterClrMapping/>
   </p:clrMapOvr>
-  <mc:AlternateContent xmlns:mc="http://schemas.openxmlformats.org/markup-compatibility/2006">
-    <mc:Choice xmlns:p14="http://schemas.microsoft.com/office/powerpoint/2010/main" Requires="p14">
+  <mc:AlternateContent xmlns:mc="http://schemas.openxmlformats.org/markup-compatibility/2006" xmlns:p14="http://schemas.microsoft.com/office/powerpoint/2010/main">
+    <mc:Choice Requires="p14">
       <p:transition spd="slow" p14:dur="3400">
         <p14:reveal/>
       </p:transition>
     </mc:Choice>
-    <mc:Fallback>
+    <mc:Fallback xmlns="">
       <p:transition spd="slow">
         <p:fade/>
       </p:transition>
@@ -5265,13 +5265,13 @@
   <p:clrMapOvr>
     <a:masterClrMapping/>
   </p:clrMapOvr>
-  <mc:AlternateContent xmlns:mc="http://schemas.openxmlformats.org/markup-compatibility/2006">
-    <mc:Choice xmlns:p14="http://schemas.microsoft.com/office/powerpoint/2010/main" Requires="p14">
+  <mc:AlternateContent xmlns:mc="http://schemas.openxmlformats.org/markup-compatibility/2006" xmlns:p14="http://schemas.microsoft.com/office/powerpoint/2010/main">
+    <mc:Choice Requires="p14">
       <p:transition spd="slow" p14:dur="3400">
         <p14:reveal/>
       </p:transition>
     </mc:Choice>
-    <mc:Fallback>
+    <mc:Fallback xmlns="">
       <p:transition spd="slow">
         <p:fade/>
       </p:transition>
@@ -5305,8 +5305,8 @@
         </p:nvSpPr>
         <p:spPr>
           <a:xfrm>
-            <a:off x="938623" y="538950"/>
-            <a:ext cx="6973252" cy="3857437"/>
+            <a:off x="987068" y="388695"/>
+            <a:ext cx="6973252" cy="4366110"/>
           </a:xfrm>
           <a:prstGeom prst="rect">
             <a:avLst/>
@@ -5328,7 +5328,7 @@
               </a:spcBef>
             </a:pPr>
             <a:r>
-              <a:rPr lang="en-US" sz="2800" b="1" u="sng" dirty="0">
+              <a:rPr lang="en-US" sz="2000" b="1" u="sng" dirty="0">
                 <a:solidFill>
                   <a:srgbClr val="9E9E9E"/>
                 </a:solidFill>
@@ -5351,7 +5351,7 @@
               <a:buChar char="●"/>
             </a:pPr>
             <a:r>
-              <a:rPr lang="en-US" sz="2800" dirty="0">
+              <a:rPr lang="en-US" sz="2000" dirty="0">
                 <a:solidFill>
                   <a:srgbClr val="9E9E9E"/>
                 </a:solidFill>
@@ -5371,7 +5371,7 @@
               <a:buChar char="●"/>
             </a:pPr>
             <a:r>
-              <a:rPr lang="en-US" sz="2800" dirty="0">
+              <a:rPr lang="en-US" sz="2000" dirty="0">
                 <a:solidFill>
                   <a:srgbClr val="9E9E9E"/>
                 </a:solidFill>
@@ -5391,7 +5391,7 @@
               <a:buChar char="●"/>
             </a:pPr>
             <a:r>
-              <a:rPr lang="en-US" sz="2800" dirty="0">
+              <a:rPr lang="en-US" sz="2000" dirty="0">
                 <a:solidFill>
                   <a:srgbClr val="9E9E9E"/>
                 </a:solidFill>
@@ -5411,13 +5411,51 @@
               <a:buChar char="●"/>
             </a:pPr>
             <a:r>
-              <a:rPr lang="en-US" sz="2800" dirty="0">
+              <a:rPr lang="en-US" sz="2000" dirty="0">
                 <a:solidFill>
                   <a:srgbClr val="9E9E9E"/>
                 </a:solidFill>
               </a:rPr>
               <a:t>Accessing orders so that you are able to amend them.</a:t>
             </a:r>
+          </a:p>
+          <a:p>
+            <a:pPr marL="457200" indent="-304800">
+              <a:lnSpc>
+                <a:spcPct val="115000"/>
+              </a:lnSpc>
+              <a:buClr>
+                <a:srgbClr val="9E9E9E"/>
+              </a:buClr>
+              <a:buSzPts val="1200"/>
+              <a:buFont typeface="Arial"/>
+              <a:buChar char="●"/>
+            </a:pPr>
+            <a:r>
+              <a:rPr lang="en-US" sz="2000" dirty="0">
+                <a:solidFill>
+                  <a:schemeClr val="tx2"/>
+                </a:solidFill>
+              </a:rPr>
+              <a:t>Because we only had two days and both had commitments on Thursday and Friday we felt rushed to get the app finished and definitely could have neatened up the code and implemented certain aspects better if we had more time.</a:t>
+            </a:r>
+          </a:p>
+          <a:p>
+            <a:pPr marL="457200" lvl="0" indent="-304800">
+              <a:lnSpc>
+                <a:spcPct val="115000"/>
+              </a:lnSpc>
+              <a:buClr>
+                <a:srgbClr val="9E9E9E"/>
+              </a:buClr>
+              <a:buSzPts val="1200"/>
+              <a:buChar char="●"/>
+            </a:pPr>
+            <a:endParaRPr lang="en-US" sz="2000" dirty="0">
+              <a:solidFill>
+                <a:srgbClr val="9E9E9E"/>
+              </a:solidFill>
+            </a:endParaRPr>
           </a:p>
           <a:p>
             <a:pPr lvl="0">
@@ -5446,13 +5484,13 @@
   <p:clrMapOvr>
     <a:masterClrMapping/>
   </p:clrMapOvr>
-  <mc:AlternateContent xmlns:mc="http://schemas.openxmlformats.org/markup-compatibility/2006">
-    <mc:Choice xmlns:p14="http://schemas.microsoft.com/office/powerpoint/2010/main" Requires="p14">
+  <mc:AlternateContent xmlns:mc="http://schemas.openxmlformats.org/markup-compatibility/2006" xmlns:p14="http://schemas.microsoft.com/office/powerpoint/2010/main">
+    <mc:Choice Requires="p14">
       <p:transition spd="slow" p14:dur="3400">
         <p14:reveal/>
       </p:transition>
     </mc:Choice>
-    <mc:Fallback>
+    <mc:Fallback xmlns="">
       <p:transition spd="slow">
         <p:fade/>
       </p:transition>
@@ -5592,13 +5630,13 @@
   <p:clrMapOvr>
     <a:masterClrMapping/>
   </p:clrMapOvr>
-  <mc:AlternateContent xmlns:mc="http://schemas.openxmlformats.org/markup-compatibility/2006">
-    <mc:Choice xmlns:p14="http://schemas.microsoft.com/office/powerpoint/2010/main" Requires="p14">
+  <mc:AlternateContent xmlns:mc="http://schemas.openxmlformats.org/markup-compatibility/2006" xmlns:p14="http://schemas.microsoft.com/office/powerpoint/2010/main">
+    <mc:Choice Requires="p14">
       <p:transition spd="slow" p14:dur="3400">
         <p14:reveal/>
       </p:transition>
     </mc:Choice>
-    <mc:Fallback>
+    <mc:Fallback xmlns="">
       <p:transition spd="slow">
         <p:fade/>
       </p:transition>
@@ -5693,13 +5731,13 @@
   <p:clrMapOvr>
     <a:masterClrMapping/>
   </p:clrMapOvr>
-  <mc:AlternateContent xmlns:mc="http://schemas.openxmlformats.org/markup-compatibility/2006">
-    <mc:Choice xmlns:p14="http://schemas.microsoft.com/office/powerpoint/2010/main" Requires="p14">
+  <mc:AlternateContent xmlns:mc="http://schemas.openxmlformats.org/markup-compatibility/2006" xmlns:p14="http://schemas.microsoft.com/office/powerpoint/2010/main">
+    <mc:Choice Requires="p14">
       <p:transition spd="slow" p14:dur="3400">
         <p14:reveal/>
       </p:transition>
     </mc:Choice>
-    <mc:Fallback>
+    <mc:Fallback xmlns="">
       <p:transition spd="slow">
         <p:fade/>
       </p:transition>
